--- a/src/test/resources/可配置移动UI自动化分享.pptx
+++ b/src/test/resources/可配置移动UI自动化分享.pptx
@@ -128,6 +128,22 @@
       </a:defRPr>
     </a:lvl9pPr>
   </p:defaultTextStyle>
+  <p:extLst>
+    <p:ext uri="{EFAFB233-063F-42B5-8137-9DF3F51BA10A}">
+      <p15:sldGuideLst xmlns:p15="http://schemas.microsoft.com/office/powerpoint/2012/main">
+        <p15:guide id="1" orient="horz" pos="2160">
+          <p15:clr>
+            <a:srgbClr val="A4A3A4"/>
+          </p15:clr>
+        </p15:guide>
+        <p15:guide id="2" pos="2880">
+          <p15:clr>
+            <a:srgbClr val="A4A3A4"/>
+          </p15:clr>
+        </p15:guide>
+      </p15:sldGuideLst>
+    </p:ext>
+  </p:extLst>
 </p:presentation>
 </file>
 
@@ -975,11 +991,7 @@
         <a:p>
           <a:r>
             <a:rPr lang="zh-CN" altLang="en-US" smtClean="0"/>
-            <a:t>背景</a:t>
-          </a:r>
-          <a:r>
-            <a:rPr lang="zh-CN" altLang="en-US" smtClean="0"/>
-            <a:t>介绍</a:t>
+            <a:t>背景介绍</a:t>
           </a:r>
           <a:endParaRPr lang="zh-CN" altLang="en-US"/>
         </a:p>
@@ -1053,6 +1065,13 @@
         </dgm:presLayoutVars>
       </dgm:prSet>
       <dgm:spPr/>
+      <dgm:t>
+        <a:bodyPr/>
+        <a:lstStyle/>
+        <a:p>
+          <a:endParaRPr lang="zh-CN" altLang="en-US"/>
+        </a:p>
+      </dgm:t>
     </dgm:pt>
     <dgm:pt modelId="{3D069882-89D0-C84F-8286-1B6BFE4898BB}" type="pres">
       <dgm:prSet presAssocID="{0927FC27-1C1F-B045-8BC8-00FAEB90D12F}" presName="Name1" presStyleCnt="0"/>
@@ -1069,6 +1088,13 @@
     <dgm:pt modelId="{35DF9B8E-F8C2-5B4D-A818-F817492DA48B}" type="pres">
       <dgm:prSet presAssocID="{0927FC27-1C1F-B045-8BC8-00FAEB90D12F}" presName="conn" presStyleLbl="parChTrans1D2" presStyleIdx="0" presStyleCnt="1"/>
       <dgm:spPr/>
+      <dgm:t>
+        <a:bodyPr/>
+        <a:lstStyle/>
+        <a:p>
+          <a:endParaRPr lang="zh-CN" altLang="en-US"/>
+        </a:p>
+      </dgm:t>
     </dgm:pt>
     <dgm:pt modelId="{6CB01EE8-7593-9E48-AE25-88F711B36035}" type="pres">
       <dgm:prSet presAssocID="{0927FC27-1C1F-B045-8BC8-00FAEB90D12F}" presName="extraNode" presStyleLbl="node1" presStyleIdx="0" presStyleCnt="4"/>
@@ -1145,6 +1171,13 @@
         </dgm:presLayoutVars>
       </dgm:prSet>
       <dgm:spPr/>
+      <dgm:t>
+        <a:bodyPr/>
+        <a:lstStyle/>
+        <a:p>
+          <a:endParaRPr lang="zh-CN" altLang="en-US"/>
+        </a:p>
+      </dgm:t>
     </dgm:pt>
     <dgm:pt modelId="{AFE03FF3-46FF-BD46-837F-93613AA78989}" type="pres">
       <dgm:prSet presAssocID="{D025AF8C-5119-C24D-931A-387BA3DDD3C3}" presName="accent_3" presStyleCnt="0"/>
@@ -1194,15 +1227,15 @@
   </dgm:ptLst>
   <dgm:cxnLst>
     <dgm:cxn modelId="{B96D272F-F527-284F-8CC9-A4842F450EB7}" srcId="{0927FC27-1C1F-B045-8BC8-00FAEB90D12F}" destId="{D025AF8C-5119-C24D-931A-387BA3DDD3C3}" srcOrd="2" destOrd="0" parTransId="{2163404E-10F3-A943-8DD6-DC064B3EC4BD}" sibTransId="{B78C8F89-38F8-764C-80A2-5003779A374F}"/>
+    <dgm:cxn modelId="{9B0E9092-6905-CB48-9848-6AE62A2BB83C}" srcId="{0927FC27-1C1F-B045-8BC8-00FAEB90D12F}" destId="{E1131812-FBFA-C640-A5F8-EE439BCF94BF}" srcOrd="0" destOrd="0" parTransId="{6E069009-EE70-184C-8D7F-75FB3970E69F}" sibTransId="{5D7EB191-B629-484D-A081-76A5EFBEDC66}"/>
+    <dgm:cxn modelId="{70499965-FD59-254A-9796-384A439CA863}" srcId="{0927FC27-1C1F-B045-8BC8-00FAEB90D12F}" destId="{0A7B7024-6E05-4347-89A5-2B2C6E61F08C}" srcOrd="3" destOrd="0" parTransId="{2E1DCA4B-549E-1F44-9545-8B8CAAF1A603}" sibTransId="{99EE07C5-46DA-8748-B5A8-5B09FCD64D16}"/>
+    <dgm:cxn modelId="{8723873A-CD4A-BD4E-A0F5-63FD706B662A}" type="presOf" srcId="{5D7EB191-B629-484D-A081-76A5EFBEDC66}" destId="{35DF9B8E-F8C2-5B4D-A818-F817492DA48B}" srcOrd="0" destOrd="0" presId="urn:microsoft.com/office/officeart/2008/layout/VerticalCurvedList"/>
+    <dgm:cxn modelId="{C2B03061-6E22-3645-B1E3-15BBA23D95F0}" type="presOf" srcId="{D025AF8C-5119-C24D-931A-387BA3DDD3C3}" destId="{776CB3A8-0E0D-CE41-B1EF-917B25A7B660}" srcOrd="0" destOrd="0" presId="urn:microsoft.com/office/officeart/2008/layout/VerticalCurvedList"/>
     <dgm:cxn modelId="{F919C618-533D-A14A-A7C7-F5AD4E7F7429}" type="presOf" srcId="{9CBBCD47-6B94-C841-95E6-B1751480395F}" destId="{77C3328D-F9EB-D447-8FD2-5065F91DBD4C}" srcOrd="0" destOrd="0" presId="urn:microsoft.com/office/officeart/2008/layout/VerticalCurvedList"/>
-    <dgm:cxn modelId="{C2B03061-6E22-3645-B1E3-15BBA23D95F0}" type="presOf" srcId="{D025AF8C-5119-C24D-931A-387BA3DDD3C3}" destId="{776CB3A8-0E0D-CE41-B1EF-917B25A7B660}" srcOrd="0" destOrd="0" presId="urn:microsoft.com/office/officeart/2008/layout/VerticalCurvedList"/>
+    <dgm:cxn modelId="{414623A2-18E7-8D40-A4F7-545052BF954C}" type="presOf" srcId="{0927FC27-1C1F-B045-8BC8-00FAEB90D12F}" destId="{051704DD-097E-6F42-AB5B-D4C33B5C9395}" srcOrd="0" destOrd="0" presId="urn:microsoft.com/office/officeart/2008/layout/VerticalCurvedList"/>
+    <dgm:cxn modelId="{0968F100-24E1-7043-984C-0122C85E7E46}" type="presOf" srcId="{E1131812-FBFA-C640-A5F8-EE439BCF94BF}" destId="{37322963-982A-4E4C-9191-C246F765C538}" srcOrd="0" destOrd="0" presId="urn:microsoft.com/office/officeart/2008/layout/VerticalCurvedList"/>
     <dgm:cxn modelId="{48D23F49-8399-CA47-BCAC-098F9044C1F9}" srcId="{0927FC27-1C1F-B045-8BC8-00FAEB90D12F}" destId="{9CBBCD47-6B94-C841-95E6-B1751480395F}" srcOrd="1" destOrd="0" parTransId="{BD9AA81C-AA75-6F43-A9F6-F87EB70E6630}" sibTransId="{6A66EF81-53D9-4F47-821B-B7FE376A38F7}"/>
-    <dgm:cxn modelId="{70499965-FD59-254A-9796-384A439CA863}" srcId="{0927FC27-1C1F-B045-8BC8-00FAEB90D12F}" destId="{0A7B7024-6E05-4347-89A5-2B2C6E61F08C}" srcOrd="3" destOrd="0" parTransId="{2E1DCA4B-549E-1F44-9545-8B8CAAF1A603}" sibTransId="{99EE07C5-46DA-8748-B5A8-5B09FCD64D16}"/>
-    <dgm:cxn modelId="{9B0E9092-6905-CB48-9848-6AE62A2BB83C}" srcId="{0927FC27-1C1F-B045-8BC8-00FAEB90D12F}" destId="{E1131812-FBFA-C640-A5F8-EE439BCF94BF}" srcOrd="0" destOrd="0" parTransId="{6E069009-EE70-184C-8D7F-75FB3970E69F}" sibTransId="{5D7EB191-B629-484D-A081-76A5EFBEDC66}"/>
-    <dgm:cxn modelId="{414623A2-18E7-8D40-A4F7-545052BF954C}" type="presOf" srcId="{0927FC27-1C1F-B045-8BC8-00FAEB90D12F}" destId="{051704DD-097E-6F42-AB5B-D4C33B5C9395}" srcOrd="0" destOrd="0" presId="urn:microsoft.com/office/officeart/2008/layout/VerticalCurvedList"/>
-    <dgm:cxn modelId="{8723873A-CD4A-BD4E-A0F5-63FD706B662A}" type="presOf" srcId="{5D7EB191-B629-484D-A081-76A5EFBEDC66}" destId="{35DF9B8E-F8C2-5B4D-A818-F817492DA48B}" srcOrd="0" destOrd="0" presId="urn:microsoft.com/office/officeart/2008/layout/VerticalCurvedList"/>
     <dgm:cxn modelId="{0BFFAADD-6C70-8C4D-B0D5-FDF4D52F72DD}" type="presOf" srcId="{0A7B7024-6E05-4347-89A5-2B2C6E61F08C}" destId="{AE940A25-89A3-804D-BEFB-BFB36DB18363}" srcOrd="0" destOrd="0" presId="urn:microsoft.com/office/officeart/2008/layout/VerticalCurvedList"/>
-    <dgm:cxn modelId="{0968F100-24E1-7043-984C-0122C85E7E46}" type="presOf" srcId="{E1131812-FBFA-C640-A5F8-EE439BCF94BF}" destId="{37322963-982A-4E4C-9191-C246F765C538}" srcOrd="0" destOrd="0" presId="urn:microsoft.com/office/officeart/2008/layout/VerticalCurvedList"/>
     <dgm:cxn modelId="{0FBE41B4-A90B-CD46-B318-9068859A6E90}" type="presParOf" srcId="{051704DD-097E-6F42-AB5B-D4C33B5C9395}" destId="{3D069882-89D0-C84F-8286-1B6BFE4898BB}" srcOrd="0" destOrd="0" presId="urn:microsoft.com/office/officeart/2008/layout/VerticalCurvedList"/>
     <dgm:cxn modelId="{792CF751-4150-7046-B7DE-5E3360033E5A}" type="presParOf" srcId="{3D069882-89D0-C84F-8286-1B6BFE4898BB}" destId="{25EA9DE1-53DB-3246-A0E8-12BB590B5546}" srcOrd="0" destOrd="0" presId="urn:microsoft.com/office/officeart/2008/layout/VerticalCurvedList"/>
     <dgm:cxn modelId="{251B79E5-6B9F-2F41-9D10-CF25C46E1415}" type="presParOf" srcId="{25EA9DE1-53DB-3246-A0E8-12BB590B5546}" destId="{3439829B-B3BE-A64C-B834-E49D75FC1CD0}" srcOrd="0" destOrd="0" presId="urn:microsoft.com/office/officeart/2008/layout/VerticalCurvedList"/>
@@ -1759,11 +1792,7 @@
           </a:pPr>
           <a:r>
             <a:rPr lang="zh-CN" altLang="en-US" sz="3200" kern="1200" smtClean="0"/>
-            <a:t>背景</a:t>
-          </a:r>
-          <a:r>
-            <a:rPr lang="zh-CN" altLang="en-US" sz="3200" kern="1200" smtClean="0"/>
-            <a:t>介绍</a:t>
+            <a:t>背景介绍</a:t>
           </a:r>
           <a:endParaRPr lang="zh-CN" altLang="en-US" sz="3200" kern="1200"/>
         </a:p>
@@ -4487,7 +4516,7 @@
           <a:p>
             <a:fld id="{3A431508-89B6-4F43-8983-137FEB0EA50E}" type="datetimeFigureOut">
               <a:rPr kumimoji="1" lang="zh-CN" altLang="en-US" smtClean="0"/>
-              <a:t>17/6/9</a:t>
+              <a:t>17/6/13</a:t>
             </a:fld>
             <a:endParaRPr kumimoji="1" lang="zh-CN" altLang="en-US"/>
           </a:p>
@@ -4578,7 +4607,7 @@
           <a:p>
             <a:fld id="{3A431508-89B6-4F43-8983-137FEB0EA50E}" type="datetimeFigureOut">
               <a:rPr kumimoji="1" lang="zh-CN" altLang="en-US" smtClean="0"/>
-              <a:t>17/6/9</a:t>
+              <a:t>17/6/13</a:t>
             </a:fld>
             <a:endParaRPr kumimoji="1" lang="zh-CN" altLang="en-US"/>
           </a:p>
@@ -4881,7 +4910,7 @@
           <a:p>
             <a:fld id="{3A431508-89B6-4F43-8983-137FEB0EA50E}" type="datetimeFigureOut">
               <a:rPr kumimoji="1" lang="zh-CN" altLang="en-US" smtClean="0"/>
-              <a:t>17/6/9</a:t>
+              <a:t>17/6/13</a:t>
             </a:fld>
             <a:endParaRPr kumimoji="1" lang="zh-CN" altLang="en-US"/>
           </a:p>
@@ -5102,7 +5131,7 @@
           <a:p>
             <a:fld id="{3A431508-89B6-4F43-8983-137FEB0EA50E}" type="datetimeFigureOut">
               <a:rPr kumimoji="1" lang="zh-CN" altLang="en-US" smtClean="0"/>
-              <a:t>17/6/9</a:t>
+              <a:t>17/6/13</a:t>
             </a:fld>
             <a:endParaRPr kumimoji="1" lang="zh-CN" altLang="en-US"/>
           </a:p>
@@ -5490,7 +5519,7 @@
           <a:p>
             <a:fld id="{3A431508-89B6-4F43-8983-137FEB0EA50E}" type="datetimeFigureOut">
               <a:rPr kumimoji="1" lang="zh-CN" altLang="en-US" smtClean="0"/>
-              <a:t>17/6/9</a:t>
+              <a:t>17/6/13</a:t>
             </a:fld>
             <a:endParaRPr kumimoji="1" lang="zh-CN" altLang="en-US"/>
           </a:p>
@@ -5798,7 +5827,7 @@
           <a:p>
             <a:fld id="{3A431508-89B6-4F43-8983-137FEB0EA50E}" type="datetimeFigureOut">
               <a:rPr kumimoji="1" lang="zh-CN" altLang="en-US" smtClean="0"/>
-              <a:t>17/6/9</a:t>
+              <a:t>17/6/13</a:t>
             </a:fld>
             <a:endParaRPr kumimoji="1" lang="zh-CN" altLang="en-US"/>
           </a:p>
@@ -5996,7 +6025,7 @@
           <a:p>
             <a:fld id="{3A431508-89B6-4F43-8983-137FEB0EA50E}" type="datetimeFigureOut">
               <a:rPr kumimoji="1" lang="zh-CN" altLang="en-US" smtClean="0"/>
-              <a:t>17/6/9</a:t>
+              <a:t>17/6/13</a:t>
             </a:fld>
             <a:endParaRPr kumimoji="1" lang="zh-CN" altLang="en-US"/>
           </a:p>
@@ -6199,7 +6228,7 @@
           <a:p>
             <a:fld id="{3A431508-89B6-4F43-8983-137FEB0EA50E}" type="datetimeFigureOut">
               <a:rPr kumimoji="1" lang="zh-CN" altLang="en-US" smtClean="0"/>
-              <a:t>17/6/9</a:t>
+              <a:t>17/6/13</a:t>
             </a:fld>
             <a:endParaRPr kumimoji="1" lang="zh-CN" altLang="en-US"/>
           </a:p>
@@ -6392,7 +6421,7 @@
           <a:p>
             <a:fld id="{3A431508-89B6-4F43-8983-137FEB0EA50E}" type="datetimeFigureOut">
               <a:rPr kumimoji="1" lang="zh-CN" altLang="en-US" smtClean="0"/>
-              <a:t>17/6/9</a:t>
+              <a:t>17/6/13</a:t>
             </a:fld>
             <a:endParaRPr kumimoji="1" lang="zh-CN" altLang="en-US"/>
           </a:p>
@@ -6664,7 +6693,7 @@
           <a:p>
             <a:fld id="{3A431508-89B6-4F43-8983-137FEB0EA50E}" type="datetimeFigureOut">
               <a:rPr kumimoji="1" lang="zh-CN" altLang="en-US" smtClean="0"/>
-              <a:t>17/6/9</a:t>
+              <a:t>17/6/13</a:t>
             </a:fld>
             <a:endParaRPr kumimoji="1" lang="zh-CN" altLang="en-US"/>
           </a:p>
@@ -6975,7 +7004,7 @@
           <a:p>
             <a:fld id="{3A431508-89B6-4F43-8983-137FEB0EA50E}" type="datetimeFigureOut">
               <a:rPr kumimoji="1" lang="zh-CN" altLang="en-US" smtClean="0"/>
-              <a:t>17/6/9</a:t>
+              <a:t>17/6/13</a:t>
             </a:fld>
             <a:endParaRPr kumimoji="1" lang="zh-CN" altLang="en-US"/>
           </a:p>
@@ -7441,7 +7470,7 @@
           <a:p>
             <a:fld id="{3A431508-89B6-4F43-8983-137FEB0EA50E}" type="datetimeFigureOut">
               <a:rPr kumimoji="1" lang="zh-CN" altLang="en-US" smtClean="0"/>
-              <a:t>17/6/9</a:t>
+              <a:t>17/6/13</a:t>
             </a:fld>
             <a:endParaRPr kumimoji="1" lang="zh-CN" altLang="en-US"/>
           </a:p>
@@ -7805,7 +7834,7 @@
           <a:p>
             <a:fld id="{3A431508-89B6-4F43-8983-137FEB0EA50E}" type="datetimeFigureOut">
               <a:rPr kumimoji="1" lang="zh-CN" altLang="en-US" smtClean="0"/>
-              <a:t>17/6/9</a:t>
+              <a:t>17/6/13</a:t>
             </a:fld>
             <a:endParaRPr kumimoji="1" lang="zh-CN" altLang="en-US"/>
           </a:p>
@@ -8116,7 +8145,7 @@
           <a:p>
             <a:fld id="{3A431508-89B6-4F43-8983-137FEB0EA50E}" type="datetimeFigureOut">
               <a:rPr kumimoji="1" lang="zh-CN" altLang="en-US" smtClean="0"/>
-              <a:t>17/6/9</a:t>
+              <a:t>17/6/13</a:t>
             </a:fld>
             <a:endParaRPr kumimoji="1" lang="zh-CN" altLang="en-US"/>
           </a:p>
@@ -8427,7 +8456,7 @@
           <a:p>
             <a:fld id="{3A431508-89B6-4F43-8983-137FEB0EA50E}" type="datetimeFigureOut">
               <a:rPr kumimoji="1" lang="zh-CN" altLang="en-US" smtClean="0"/>
-              <a:t>17/6/9</a:t>
+              <a:t>17/6/13</a:t>
             </a:fld>
             <a:endParaRPr kumimoji="1" lang="zh-CN" altLang="en-US"/>
           </a:p>
@@ -8912,7 +8941,7 @@
           <a:p>
             <a:fld id="{3A431508-89B6-4F43-8983-137FEB0EA50E}" type="datetimeFigureOut">
               <a:rPr kumimoji="1" lang="zh-CN" altLang="en-US" smtClean="0"/>
-              <a:t>17/6/9</a:t>
+              <a:t>17/6/13</a:t>
             </a:fld>
             <a:endParaRPr kumimoji="1" lang="zh-CN" altLang="en-US"/>
           </a:p>
@@ -9175,7 +9204,7 @@
           <a:p>
             <a:fld id="{3A431508-89B6-4F43-8983-137FEB0EA50E}" type="datetimeFigureOut">
               <a:rPr kumimoji="1" lang="zh-CN" altLang="en-US" smtClean="0"/>
-              <a:t>17/6/9</a:t>
+              <a:t>17/6/13</a:t>
             </a:fld>
             <a:endParaRPr kumimoji="1" lang="zh-CN" altLang="en-US"/>
           </a:p>
@@ -9643,18 +9672,18 @@
   <p:clrMapOvr>
     <a:masterClrMapping/>
   </p:clrMapOvr>
-  <mc:AlternateContent xmlns:mc="http://schemas.openxmlformats.org/markup-compatibility/2006">
-    <mc:Choice xmlns:p14="http://schemas.microsoft.com/office/powerpoint/2010/main" Requires="p14">
+  <mc:AlternateContent xmlns:mc="http://schemas.openxmlformats.org/markup-compatibility/2006" xmlns:p14="http://schemas.microsoft.com/office/powerpoint/2010/main">
+    <mc:Choice Requires="p14">
       <p:transition spd="slow" p14:dur="2000"/>
     </mc:Choice>
-    <mc:Fallback>
+    <mc:Fallback xmlns="">
       <p:transition xmlns:p14="http://schemas.microsoft.com/office/powerpoint/2010/main" spd="slow"/>
     </mc:Fallback>
   </mc:AlternateContent>
   <p:timing>
     <p:tnLst>
       <p:par>
-        <p:cTn xmlns:p14="http://schemas.microsoft.com/office/powerpoint/2010/main" id="1" dur="indefinite" restart="never" nodeType="tmRoot"/>
+        <p:cTn id="1" dur="indefinite" restart="never" nodeType="tmRoot"/>
       </p:par>
     </p:tnLst>
   </p:timing>
@@ -9984,6 +10013,23 @@
               </a:rPr>
               <a:t>java</a:t>
             </a:r>
+          </a:p>
+          <a:p>
+            <a:r>
+              <a:rPr kumimoji="1" lang="zh-CN" altLang="en-US" sz="1000" dirty="0" smtClean="0">
+                <a:solidFill>
+                  <a:srgbClr val="FFFFFF"/>
+                </a:solidFill>
+              </a:rPr>
+              <a:t>暂未实现。</a:t>
+            </a:r>
+            <a:endParaRPr kumimoji="1" lang="en-US" altLang="zh-CN" sz="1000" dirty="0" smtClean="0">
+              <a:solidFill>
+                <a:srgbClr val="FFFFFF"/>
+              </a:solidFill>
+            </a:endParaRPr>
+          </a:p>
+          <a:p>
             <a:endParaRPr kumimoji="1" lang="en-US" altLang="zh-CN" sz="1200" dirty="0" smtClean="0">
               <a:solidFill>
                 <a:srgbClr val="FFFFFF"/>
@@ -9992,28 +10038,6 @@
           </a:p>
           <a:p>
             <a:r>
-              <a:rPr kumimoji="1" lang="zh-CN" altLang="en-US" sz="1000" dirty="0" smtClean="0">
-                <a:solidFill>
-                  <a:srgbClr val="FFFFFF"/>
-                </a:solidFill>
-              </a:rPr>
-              <a:t>暂未实现。</a:t>
-            </a:r>
-            <a:endParaRPr kumimoji="1" lang="en-US" altLang="zh-CN" sz="1000" dirty="0" smtClean="0">
-              <a:solidFill>
-                <a:srgbClr val="FFFFFF"/>
-              </a:solidFill>
-            </a:endParaRPr>
-          </a:p>
-          <a:p>
-            <a:endParaRPr kumimoji="1" lang="en-US" altLang="zh-CN" sz="1200" dirty="0" smtClean="0">
-              <a:solidFill>
-                <a:srgbClr val="FFFFFF"/>
-              </a:solidFill>
-            </a:endParaRPr>
-          </a:p>
-          <a:p>
-            <a:r>
               <a:rPr kumimoji="1" lang="en-US" altLang="zh-CN" sz="1200" dirty="0" smtClean="0">
                 <a:solidFill>
                   <a:srgbClr val="FFFFFF"/>
@@ -10037,11 +10061,6 @@
               </a:rPr>
               <a:t>java</a:t>
             </a:r>
-            <a:endParaRPr kumimoji="1" lang="en-US" altLang="zh-CN" sz="1200" dirty="0" smtClean="0">
-              <a:solidFill>
-                <a:srgbClr val="FFFFFF"/>
-              </a:solidFill>
-            </a:endParaRPr>
           </a:p>
           <a:p>
             <a:r>
@@ -10153,7 +10172,7 @@
   <p:timing>
     <p:tnLst>
       <p:par>
-        <p:cTn xmlns:p14="http://schemas.microsoft.com/office/powerpoint/2010/main" id="1" dur="indefinite" restart="never" nodeType="tmRoot"/>
+        <p:cTn id="1" dur="indefinite" restart="never" nodeType="tmRoot"/>
       </p:par>
     </p:tnLst>
   </p:timing>
@@ -10230,15 +10249,7 @@
                   <a:srgbClr val="FFFFFF"/>
                 </a:solidFill>
               </a:rPr>
-              <a:t>DeviceInfoAccessor</a:t>
-            </a:r>
-            <a:r>
-              <a:rPr kumimoji="1" lang="en-US" altLang="zh-CN" sz="1200" dirty="0" smtClean="0">
-                <a:solidFill>
-                  <a:srgbClr val="FFFFFF"/>
-                </a:solidFill>
-              </a:rPr>
-              <a:t>.java</a:t>
+              <a:t>DeviceInfoAccessor.java</a:t>
             </a:r>
           </a:p>
           <a:p>
@@ -10408,7 +10419,15 @@
                   <a:srgbClr val="FFFFFF"/>
                 </a:solidFill>
               </a:rPr>
-              <a:t>配置参数中心</a:t>
+              <a:t>配置参数中心获取类，通过</a:t>
+            </a:r>
+            <a:r>
+              <a:rPr kumimoji="1" lang="en-US" altLang="zh-CN" sz="1000" dirty="0" smtClean="0">
+                <a:solidFill>
+                  <a:srgbClr val="FFFFFF"/>
+                </a:solidFill>
+              </a:rPr>
+              <a:t>PropertiesFetcher.java</a:t>
             </a:r>
             <a:r>
               <a:rPr kumimoji="1" lang="zh-CN" altLang="en-US" sz="1000" dirty="0" smtClean="0">
@@ -10416,7 +10435,7 @@
                   <a:srgbClr val="FFFFFF"/>
                 </a:solidFill>
               </a:rPr>
-              <a:t>获取类，通过</a:t>
+              <a:t>获取</a:t>
             </a:r>
             <a:r>
               <a:rPr kumimoji="1" lang="en-US" altLang="zh-CN" sz="1000" dirty="0" smtClean="0">
@@ -10424,7 +10443,23 @@
                   <a:srgbClr val="FFFFFF"/>
                 </a:solidFill>
               </a:rPr>
-              <a:t>PropertiesFetcher.java</a:t>
+              <a:t>run_config</a:t>
+            </a:r>
+            <a:r>
+              <a:rPr kumimoji="1" lang="zh-CN" altLang="zh-CN" sz="1000" dirty="0" smtClean="0">
+                <a:solidFill>
+                  <a:srgbClr val="FFFFFF"/>
+                </a:solidFill>
+              </a:rPr>
+              <a:t>.</a:t>
+            </a:r>
+            <a:r>
+              <a:rPr kumimoji="1" lang="en-US" altLang="zh-CN" sz="1000" dirty="0" smtClean="0">
+                <a:solidFill>
+                  <a:srgbClr val="FFFFFF"/>
+                </a:solidFill>
+              </a:rPr>
+              <a:t>properties</a:t>
             </a:r>
             <a:r>
               <a:rPr kumimoji="1" lang="zh-CN" altLang="en-US" sz="1000" dirty="0" smtClean="0">
@@ -10432,47 +10467,7 @@
                   <a:srgbClr val="FFFFFF"/>
                 </a:solidFill>
               </a:rPr>
-              <a:t>获取</a:t>
-            </a:r>
-            <a:r>
-              <a:rPr kumimoji="1" lang="en-US" altLang="zh-CN" sz="1000" dirty="0" smtClean="0">
-                <a:solidFill>
-                  <a:srgbClr val="FFFFFF"/>
-                </a:solidFill>
-              </a:rPr>
-              <a:t>run_config</a:t>
-            </a:r>
-            <a:r>
-              <a:rPr kumimoji="1" lang="zh-CN" altLang="zh-CN" sz="1000" dirty="0" smtClean="0">
-                <a:solidFill>
-                  <a:srgbClr val="FFFFFF"/>
-                </a:solidFill>
-              </a:rPr>
-              <a:t>.</a:t>
-            </a:r>
-            <a:r>
-              <a:rPr kumimoji="1" lang="en-US" altLang="zh-CN" sz="1000" dirty="0" smtClean="0">
-                <a:solidFill>
-                  <a:srgbClr val="FFFFFF"/>
-                </a:solidFill>
-              </a:rPr>
-              <a:t>properties</a:t>
-            </a:r>
-            <a:r>
-              <a:rPr kumimoji="1" lang="zh-CN" altLang="en-US" sz="1000" dirty="0" smtClean="0">
-                <a:solidFill>
-                  <a:srgbClr val="FFFFFF"/>
-                </a:solidFill>
-              </a:rPr>
-              <a:t>中</a:t>
-            </a:r>
-            <a:r>
-              <a:rPr kumimoji="1" lang="zh-CN" altLang="en-US" sz="1000" dirty="0" smtClean="0">
-                <a:solidFill>
-                  <a:srgbClr val="FFFFFF"/>
-                </a:solidFill>
-              </a:rPr>
-              <a:t>的所有信息后，保存在</a:t>
+              <a:t>中的所有信息后，保存在</a:t>
             </a:r>
             <a:r>
               <a:rPr kumimoji="1" lang="en-US" altLang="zh-CN" sz="1000" dirty="0" smtClean="0">
@@ -10623,7 +10618,7 @@
   <p:timing>
     <p:tnLst>
       <p:par>
-        <p:cTn xmlns:p14="http://schemas.microsoft.com/office/powerpoint/2010/main" id="1" dur="indefinite" restart="never" nodeType="tmRoot"/>
+        <p:cTn id="1" dur="indefinite" restart="never" nodeType="tmRoot"/>
       </p:par>
     </p:tnLst>
   </p:timing>
@@ -10726,15 +10721,7 @@
                   <a:srgbClr val="FFFFFF"/>
                 </a:solidFill>
               </a:rPr>
-              <a:t>o</a:t>
-            </a:r>
-            <a:r>
-              <a:rPr kumimoji="1" lang="en-US" altLang="zh-CN" sz="1200" dirty="0" smtClean="0">
-                <a:solidFill>
-                  <a:srgbClr val="FFFFFF"/>
-                </a:solidFill>
-              </a:rPr>
-              <a:t>bjects</a:t>
+              <a:t>objects</a:t>
             </a:r>
             <a:r>
               <a:rPr kumimoji="1" lang="zh-CN" altLang="en-US" sz="1200" dirty="0" smtClean="0">
@@ -10993,11 +10980,7 @@
                       </a:r>
                       <a:r>
                         <a:rPr lang="zh-CN" altLang="en-US" sz="1000" dirty="0" smtClean="0"/>
-                        <a:t>的</a:t>
-                      </a:r>
-                      <a:r>
-                        <a:rPr lang="zh-CN" altLang="en-US" sz="1000" dirty="0" smtClean="0"/>
-                        <a:t>基类，暂预留</a:t>
+                        <a:t>的基类，暂预留</a:t>
                       </a:r>
                       <a:endParaRPr lang="zh-CN" altLang="en-US" sz="1000" dirty="0"/>
                     </a:p>
@@ -11066,7 +11049,6 @@
                         <a:rPr lang="zh-CN" altLang="en-US" sz="1000" dirty="0" smtClean="0"/>
                         <a:t>的基类</a:t>
                       </a:r>
-                      <a:endParaRPr lang="zh-CN" altLang="en-US" sz="1000" dirty="0" smtClean="0"/>
                     </a:p>
                   </a:txBody>
                   <a:tcPr/>
@@ -11094,11 +11076,7 @@
                     <a:p>
                       <a:r>
                         <a:rPr lang="zh-CN" altLang="en-US" sz="1000" dirty="0" smtClean="0"/>
-                        <a:t>前置执行测试用例集</a:t>
-                      </a:r>
-                      <a:r>
-                        <a:rPr lang="zh-CN" altLang="en-US" sz="1000" dirty="0" smtClean="0"/>
-                        <a:t>对象</a:t>
+                        <a:t>前置执行测试用例集对象</a:t>
                       </a:r>
                       <a:endParaRPr lang="zh-CN" altLang="en-US" sz="1000" dirty="0"/>
                     </a:p>
@@ -11128,11 +11106,7 @@
                     <a:p>
                       <a:r>
                         <a:rPr lang="zh-CN" altLang="en-US" sz="1000" dirty="0" smtClean="0"/>
-                        <a:t>单条测试用例</a:t>
-                      </a:r>
-                      <a:r>
-                        <a:rPr lang="zh-CN" altLang="en-US" sz="1000" dirty="0" smtClean="0"/>
-                        <a:t>对象</a:t>
+                        <a:t>单条测试用例对象</a:t>
                       </a:r>
                       <a:endParaRPr lang="zh-CN" altLang="en-US" sz="1000" dirty="0"/>
                     </a:p>
@@ -11162,15 +11136,7 @@
                     <a:p>
                       <a:r>
                         <a:rPr lang="zh-CN" altLang="en-US" sz="1000" dirty="0" smtClean="0"/>
-                        <a:t>所有测试用例集</a:t>
-                      </a:r>
-                      <a:r>
-                        <a:rPr lang="zh-CN" altLang="en-US" sz="1000" dirty="0" smtClean="0"/>
-                        <a:t>对象</a:t>
-                      </a:r>
-                      <a:r>
-                        <a:rPr lang="zh-CN" altLang="en-US" sz="1000" dirty="0" smtClean="0"/>
-                        <a:t>，</a:t>
+                        <a:t>所有测试用例集对象，</a:t>
                       </a:r>
                       <a:r>
                         <a:rPr lang="en-US" altLang="zh-CN" sz="1000" dirty="0" smtClean="0"/>
@@ -11216,11 +11182,7 @@
                     <a:p>
                       <a:r>
                         <a:rPr lang="zh-CN" altLang="en-US" sz="1000" dirty="0" smtClean="0"/>
-                        <a:t>方法参数</a:t>
-                      </a:r>
-                      <a:r>
-                        <a:rPr lang="zh-CN" altLang="en-US" sz="1000" dirty="0" smtClean="0"/>
-                        <a:t>对象</a:t>
+                        <a:t>方法参数对象</a:t>
                       </a:r>
                       <a:endParaRPr lang="zh-CN" altLang="en-US" sz="1000" dirty="0"/>
                     </a:p>
@@ -11250,11 +11212,7 @@
                     <a:p>
                       <a:r>
                         <a:rPr lang="zh-CN" altLang="en-US" sz="1000" dirty="0" smtClean="0"/>
-                        <a:t>测试步骤</a:t>
-                      </a:r>
-                      <a:r>
-                        <a:rPr lang="zh-CN" altLang="en-US" sz="1000" dirty="0" smtClean="0"/>
-                        <a:t>对象</a:t>
+                        <a:t>测试步骤对象</a:t>
                       </a:r>
                       <a:endParaRPr lang="zh-CN" altLang="en-US" sz="1000" dirty="0"/>
                     </a:p>
@@ -11284,11 +11242,7 @@
                     <a:p>
                       <a:r>
                         <a:rPr lang="zh-CN" altLang="en-US" sz="1000" dirty="0" smtClean="0"/>
-                        <a:t>测试用例集</a:t>
-                      </a:r>
-                      <a:r>
-                        <a:rPr lang="zh-CN" altLang="en-US" sz="1000" dirty="0" smtClean="0"/>
-                        <a:t>对象</a:t>
+                        <a:t>测试用例集对象</a:t>
                       </a:r>
                       <a:endParaRPr lang="zh-CN" altLang="en-US" sz="1000" dirty="0"/>
                     </a:p>
@@ -11318,11 +11272,7 @@
                     <a:p>
                       <a:r>
                         <a:rPr lang="zh-CN" altLang="en-US" sz="1000" dirty="0" smtClean="0"/>
-                        <a:t>测试用例套件</a:t>
-                      </a:r>
-                      <a:r>
-                        <a:rPr lang="zh-CN" altLang="en-US" sz="1000" dirty="0" smtClean="0"/>
-                        <a:t>对象</a:t>
+                        <a:t>测试用例套件对象</a:t>
                       </a:r>
                       <a:r>
                         <a:rPr lang="en-US" altLang="zh-CN" sz="1000" dirty="0" smtClean="0"/>
@@ -11363,7 +11313,7 @@
   <p:timing>
     <p:tnLst>
       <p:par>
-        <p:cTn xmlns:p14="http://schemas.microsoft.com/office/powerpoint/2010/main" id="1" dur="indefinite" restart="never" nodeType="tmRoot"/>
+        <p:cTn id="1" dur="indefinite" restart="never" nodeType="tmRoot"/>
       </p:par>
     </p:tnLst>
   </p:timing>
@@ -11395,8 +11345,8 @@
         </p:nvSpPr>
         <p:spPr>
           <a:xfrm>
-            <a:off x="173189" y="1518177"/>
-            <a:ext cx="8803641" cy="4078038"/>
+            <a:off x="162556" y="1518177"/>
+            <a:ext cx="8832588" cy="4078038"/>
           </a:xfrm>
           <a:prstGeom prst="rect">
             <a:avLst/>
@@ -14039,7 +13989,7 @@
   <p:timing>
     <p:tnLst>
       <p:par>
-        <p:cTn xmlns:p14="http://schemas.microsoft.com/office/powerpoint/2010/main" id="1" dur="indefinite" restart="never" nodeType="tmRoot"/>
+        <p:cTn id="1" dur="indefinite" restart="never" nodeType="tmRoot"/>
       </p:par>
     </p:tnLst>
   </p:timing>
@@ -14249,7 +14199,7 @@
   <p:timing>
     <p:tnLst>
       <p:par>
-        <p:cTn xmlns:p14="http://schemas.microsoft.com/office/powerpoint/2010/main" id="1" dur="indefinite" restart="never" nodeType="tmRoot"/>
+        <p:cTn id="1" dur="indefinite" restart="never" nodeType="tmRoot"/>
       </p:par>
     </p:tnLst>
   </p:timing>
@@ -15399,7 +15349,7 @@
   <p:timing>
     <p:tnLst>
       <p:par>
-        <p:cTn xmlns:p14="http://schemas.microsoft.com/office/powerpoint/2010/main" id="1" dur="indefinite" restart="never" nodeType="tmRoot"/>
+        <p:cTn id="1" dur="indefinite" restart="never" nodeType="tmRoot"/>
       </p:par>
     </p:tnLst>
   </p:timing>
@@ -15511,15 +15461,7 @@
                   <a:srgbClr val="FFFFFF"/>
                 </a:solidFill>
               </a:rPr>
-              <a:t>ExecutorEngine</a:t>
-            </a:r>
-            <a:r>
-              <a:rPr lang="en-US" altLang="zh-CN" sz="1600" dirty="0" smtClean="0">
-                <a:solidFill>
-                  <a:srgbClr val="FFFFFF"/>
-                </a:solidFill>
-              </a:rPr>
-              <a:t>.java</a:t>
+              <a:t>ExecutorEngine.java</a:t>
             </a:r>
           </a:p>
           <a:p>
@@ -15950,11 +15892,6 @@
               </a:rPr>
               <a:t>}</a:t>
             </a:r>
-            <a:endParaRPr lang="en-US" altLang="zh-CN" sz="1000" dirty="0" smtClean="0">
-              <a:solidFill>
-                <a:srgbClr val="FFFFFF"/>
-              </a:solidFill>
-            </a:endParaRPr>
           </a:p>
         </p:txBody>
       </p:sp>
@@ -15971,7 +15908,7 @@
   <p:timing>
     <p:tnLst>
       <p:par>
-        <p:cTn xmlns:p14="http://schemas.microsoft.com/office/powerpoint/2010/main" id="1" dur="indefinite" restart="never" nodeType="tmRoot"/>
+        <p:cTn id="1" dur="indefinite" restart="never" nodeType="tmRoot"/>
       </p:par>
     </p:tnLst>
   </p:timing>
@@ -16022,15 +15959,7 @@
                   <a:srgbClr val="FFFFFF"/>
                 </a:solidFill>
               </a:rPr>
-              <a:t>再看一下几个主要方法</a:t>
-            </a:r>
-            <a:r>
-              <a:rPr lang="zh-CN" altLang="en-US" sz="1200" dirty="0" smtClean="0">
-                <a:solidFill>
-                  <a:srgbClr val="FFFFFF"/>
-                </a:solidFill>
-              </a:rPr>
-              <a:t>：</a:t>
+              <a:t>再看一下几个主要方法：</a:t>
             </a:r>
             <a:endParaRPr lang="en-US" altLang="zh-CN" sz="1200" dirty="0" smtClean="0">
               <a:solidFill>
@@ -16464,7 +16393,7 @@
   <p:timing>
     <p:tnLst>
       <p:par>
-        <p:cTn xmlns:p14="http://schemas.microsoft.com/office/powerpoint/2010/main" id="1" dur="indefinite" restart="never" nodeType="tmRoot"/>
+        <p:cTn id="1" dur="indefinite" restart="never" nodeType="tmRoot"/>
       </p:par>
     </p:tnLst>
   </p:timing>
@@ -16530,15 +16459,17 @@
                   <a:srgbClr val="FFFFFF"/>
                 </a:solidFill>
               </a:rPr>
-              <a:t>@</a:t>
-            </a:r>
+              <a:t>@CaseExecutor</a:t>
+            </a:r>
+          </a:p>
+          <a:p>
             <a:r>
               <a:rPr lang="en-US" altLang="zh-CN" sz="1200" dirty="0" smtClean="0">
                 <a:solidFill>
                   <a:srgbClr val="FFFFFF"/>
                 </a:solidFill>
               </a:rPr>
-              <a:t>CaseExecutor</a:t>
+              <a:t>@StepExecutor</a:t>
             </a:r>
           </a:p>
           <a:p>
@@ -16548,33 +16479,7 @@
                   <a:srgbClr val="FFFFFF"/>
                 </a:solidFill>
               </a:rPr>
-              <a:t>@</a:t>
-            </a:r>
-            <a:r>
-              <a:rPr lang="en-US" altLang="zh-CN" sz="1200" dirty="0" smtClean="0">
-                <a:solidFill>
-                  <a:srgbClr val="FFFFFF"/>
-                </a:solidFill>
-              </a:rPr>
-              <a:t>StepExecutor</a:t>
-            </a:r>
-          </a:p>
-          <a:p>
-            <a:r>
-              <a:rPr lang="en-US" altLang="zh-CN" sz="1200" dirty="0" smtClean="0">
-                <a:solidFill>
-                  <a:srgbClr val="FFFFFF"/>
-                </a:solidFill>
-              </a:rPr>
-              <a:t>@</a:t>
-            </a:r>
-            <a:r>
-              <a:rPr lang="en-US" altLang="zh-CN" sz="1200" dirty="0" smtClean="0">
-                <a:solidFill>
-                  <a:srgbClr val="FFFFFF"/>
-                </a:solidFill>
-              </a:rPr>
-              <a:t>SuiteExecutor</a:t>
+              <a:t>@SuiteExecutor</a:t>
             </a:r>
           </a:p>
           <a:p>
@@ -16717,7 +16622,7 @@
   <p:timing>
     <p:tnLst>
       <p:par>
-        <p:cTn xmlns:p14="http://schemas.microsoft.com/office/powerpoint/2010/main" id="1" dur="indefinite" restart="never" nodeType="tmRoot"/>
+        <p:cTn id="1" dur="indefinite" restart="never" nodeType="tmRoot"/>
       </p:par>
     </p:tnLst>
   </p:timing>
@@ -16799,11 +16704,7 @@
             </a:r>
             <a:r>
               <a:rPr kumimoji="1" lang="en-US" altLang="zh-CN" sz="1200" dirty="0" smtClean="0"/>
-              <a:t>e</a:t>
-            </a:r>
-            <a:r>
-              <a:rPr kumimoji="1" lang="en-US" altLang="zh-CN" sz="1200" dirty="0" smtClean="0"/>
-              <a:t>xecutor</a:t>
+              <a:t>executor</a:t>
             </a:r>
             <a:endParaRPr kumimoji="1" lang="zh-CN" altLang="en-US" sz="1200" dirty="0"/>
           </a:p>
@@ -17227,15 +17128,7 @@
                   <a:srgbClr val="FFFFFF"/>
                 </a:solidFill>
               </a:rPr>
-              <a:t>		</a:t>
-            </a:r>
-            <a:r>
-              <a:rPr lang="en-US" altLang="zh-CN" sz="1000" dirty="0" smtClean="0">
-                <a:solidFill>
-                  <a:srgbClr val="FFFFFF"/>
-                </a:solidFill>
-              </a:rPr>
-              <a:t>ExecutorEngine caseExecutor = ((ExecutorEngine) </a:t>
+              <a:t>		ExecutorEngine caseExecutor = ((ExecutorEngine) </a:t>
             </a:r>
             <a:r>
               <a:rPr lang="en-US" altLang="zh-CN" sz="1000" i="1" dirty="0" smtClean="0">
@@ -17323,11 +17216,6 @@
               </a:rPr>
               <a:t>}</a:t>
             </a:r>
-            <a:endParaRPr lang="en-US" altLang="zh-CN" sz="1000" dirty="0" smtClean="0">
-              <a:solidFill>
-                <a:srgbClr val="FFFFFF"/>
-              </a:solidFill>
-            </a:endParaRPr>
           </a:p>
           <a:p>
             <a:r>
@@ -17362,7 +17250,7 @@
   <p:timing>
     <p:tnLst>
       <p:par>
-        <p:cTn xmlns:p14="http://schemas.microsoft.com/office/powerpoint/2010/main" id="1" dur="indefinite" restart="never" nodeType="tmRoot"/>
+        <p:cTn id="1" dur="indefinite" restart="never" nodeType="tmRoot"/>
       </p:par>
     </p:tnLst>
   </p:timing>
@@ -17421,7 +17309,7 @@
   <p:timing>
     <p:tnLst>
       <p:par>
-        <p:cTn xmlns:p14="http://schemas.microsoft.com/office/powerpoint/2010/main" id="1" dur="indefinite" restart="never" nodeType="tmRoot"/>
+        <p:cTn id="1" dur="indefinite" restart="never" nodeType="tmRoot"/>
       </p:par>
     </p:tnLst>
   </p:timing>
@@ -17606,7 +17494,7 @@
   <p:timing>
     <p:tnLst>
       <p:par>
-        <p:cTn xmlns:p14="http://schemas.microsoft.com/office/powerpoint/2010/main" id="1" dur="indefinite" restart="never" nodeType="tmRoot"/>
+        <p:cTn id="1" dur="indefinite" restart="never" nodeType="tmRoot"/>
       </p:par>
     </p:tnLst>
   </p:timing>
@@ -17673,7 +17561,7 @@
   <p:timing>
     <p:tnLst>
       <p:par>
-        <p:cTn xmlns:p14="http://schemas.microsoft.com/office/powerpoint/2010/main" id="1" dur="indefinite" restart="never" nodeType="tmRoot"/>
+        <p:cTn id="1" dur="indefinite" restart="never" nodeType="tmRoot"/>
       </p:par>
     </p:tnLst>
   </p:timing>
@@ -18369,7 +18257,7 @@
           <p:nvPr>
             <p:extLst>
               <p:ext uri="{D42A27DB-BD31-4B8C-83A1-F6EECF244321}">
-                <p14:modId xmlns:p14="http://schemas.microsoft.com/office/powerpoint/2010/main" val="965572719"/>
+                <p14:modId xmlns:p14="http://schemas.microsoft.com/office/powerpoint/2010/main" val="1975960378"/>
               </p:ext>
             </p:extLst>
           </p:nvPr>
@@ -18486,7 +18374,11 @@
                     <a:p>
                       <a:r>
                         <a:rPr lang="zh-CN" altLang="en-US" sz="1200" dirty="0" smtClean="0"/>
-                        <a:t>。测试用例易配置、易扩展</a:t>
+                        <a:t>测试</a:t>
+                      </a:r>
+                      <a:r>
+                        <a:rPr lang="zh-CN" altLang="en-US" sz="1200" dirty="0" smtClean="0"/>
+                        <a:t>用例易配置、易扩展</a:t>
                       </a:r>
                       <a:endParaRPr lang="zh-CN" altLang="en-US" sz="1200" dirty="0"/>
                     </a:p>
@@ -18988,7 +18880,7 @@
   <p:timing>
     <p:tnLst>
       <p:par>
-        <p:cTn xmlns:p14="http://schemas.microsoft.com/office/powerpoint/2010/main" id="1" dur="indefinite" restart="never" nodeType="tmRoot"/>
+        <p:cTn id="1" dur="indefinite" restart="never" nodeType="tmRoot"/>
       </p:par>
     </p:tnLst>
   </p:timing>
@@ -19242,7 +19134,7 @@
   <p:timing>
     <p:tnLst>
       <p:par>
-        <p:cTn xmlns:p14="http://schemas.microsoft.com/office/powerpoint/2010/main" id="1" dur="indefinite" restart="never" nodeType="tmRoot"/>
+        <p:cTn id="1" dur="indefinite" restart="never" nodeType="tmRoot"/>
       </p:par>
     </p:tnLst>
   </p:timing>
@@ -19642,7 +19534,6 @@
                 <a:rPr kumimoji="1" lang="en-US" altLang="zh-CN" sz="1400" dirty="0" smtClean="0"/>
                 <a:t>ios</a:t>
               </a:r>
-              <a:endParaRPr kumimoji="1" lang="en-US" altLang="zh-CN" sz="1400" dirty="0" smtClean="0"/>
             </a:p>
           </p:txBody>
         </p:sp>
@@ -19813,11 +19704,7 @@
               <a:pPr algn="ctr"/>
               <a:r>
                 <a:rPr kumimoji="1" lang="en-US" altLang="zh-CN" sz="1200" dirty="0" smtClean="0"/>
-                <a:t>u</a:t>
-              </a:r>
-              <a:r>
-                <a:rPr kumimoji="1" lang="en-US" altLang="zh-CN" sz="1200" dirty="0" smtClean="0"/>
-                <a:t>iautomation</a:t>
+                <a:t>uiautomation</a:t>
               </a:r>
             </a:p>
           </p:txBody>
@@ -20010,11 +19897,7 @@
               <a:pPr algn="ctr"/>
               <a:r>
                 <a:rPr kumimoji="1" lang="en-US" altLang="zh-CN" dirty="0" smtClean="0"/>
-                <a:t>S</a:t>
-              </a:r>
-              <a:r>
-                <a:rPr kumimoji="1" lang="en-US" altLang="zh-CN" dirty="0" smtClean="0"/>
-                <a:t>pring</a:t>
+                <a:t>Spring</a:t>
               </a:r>
               <a:endParaRPr kumimoji="1" lang="zh-CN" altLang="en-US" dirty="0"/>
             </a:p>
@@ -20584,11 +20467,7 @@
               </a:r>
               <a:r>
                 <a:rPr kumimoji="1" lang="en-US" altLang="zh-CN" sz="1200" dirty="0" smtClean="0"/>
-                <a:t>e</a:t>
-              </a:r>
-              <a:r>
-                <a:rPr kumimoji="1" lang="en-US" altLang="zh-CN" sz="1200" dirty="0" smtClean="0"/>
-                <a:t>xecutor</a:t>
+                <a:t>executor</a:t>
               </a:r>
               <a:endParaRPr kumimoji="1" lang="zh-CN" altLang="en-US" sz="1200" dirty="0"/>
             </a:p>
@@ -20646,7 +20525,7 @@
   <p:timing>
     <p:tnLst>
       <p:par>
-        <p:cTn xmlns:p14="http://schemas.microsoft.com/office/powerpoint/2010/main" id="1" dur="indefinite" restart="never" nodeType="tmRoot"/>
+        <p:cTn id="1" dur="indefinite" restart="never" nodeType="tmRoot"/>
       </p:par>
     </p:tnLst>
   </p:timing>
@@ -20735,11 +20614,7 @@
               <a:pPr algn="ctr"/>
               <a:r>
                 <a:rPr kumimoji="1" lang="en-US" altLang="zh-CN" sz="1000" dirty="0" smtClean="0"/>
-                <a:t>u</a:t>
-              </a:r>
-              <a:r>
-                <a:rPr kumimoji="1" lang="en-US" altLang="zh-CN" sz="1000" dirty="0" smtClean="0"/>
-                <a:t>tils</a:t>
+                <a:t>utils</a:t>
               </a:r>
               <a:r>
                 <a:rPr kumimoji="1" lang="zh-CN" altLang="en-US" sz="1000" dirty="0" smtClean="0"/>
@@ -20895,7 +20770,6 @@
                 <a:rPr kumimoji="1" lang="zh-CN" altLang="en-US" sz="800" dirty="0" smtClean="0"/>
                 <a:t>运行配置文件</a:t>
               </a:r>
-              <a:endParaRPr kumimoji="1" lang="zh-CN" altLang="en-US" sz="800" dirty="0" smtClean="0"/>
             </a:p>
           </p:txBody>
         </p:sp>
@@ -20956,7 +20830,6 @@
                 <a:rPr kumimoji="1" lang="zh-CN" altLang="en-US" sz="800" dirty="0" smtClean="0"/>
                 <a:t>用例套件</a:t>
               </a:r>
-              <a:endParaRPr kumimoji="1" lang="zh-CN" altLang="en-US" sz="800" dirty="0" smtClean="0"/>
             </a:p>
           </p:txBody>
         </p:sp>
@@ -21525,11 +21398,7 @@
               <a:pPr algn="ctr"/>
               <a:r>
                 <a:rPr kumimoji="1" lang="en-US" altLang="zh-CN" sz="1200" dirty="0" smtClean="0"/>
-                <a:t>u</a:t>
-              </a:r>
-              <a:r>
-                <a:rPr kumimoji="1" lang="en-US" altLang="zh-CN" sz="1200" dirty="0" smtClean="0"/>
-                <a:t>ia</a:t>
+                <a:t>uia</a:t>
               </a:r>
               <a:r>
                 <a:rPr kumimoji="1" lang="zh-CN" altLang="en-US" sz="1200" dirty="0" smtClean="0"/>
@@ -21632,11 +21501,7 @@
               <a:pPr algn="ctr"/>
               <a:r>
                 <a:rPr kumimoji="1" lang="en-US" altLang="zh-CN" sz="1200" dirty="0" smtClean="0"/>
-                <a:t>h</a:t>
-              </a:r>
-              <a:r>
-                <a:rPr kumimoji="1" lang="en-US" altLang="zh-CN" sz="1200" dirty="0" smtClean="0"/>
-                <a:t>tml</a:t>
+                <a:t>html</a:t>
               </a:r>
               <a:r>
                 <a:rPr kumimoji="1" lang="zh-CN" altLang="en-US" sz="1200" dirty="0" smtClean="0"/>
@@ -22019,7 +21884,7 @@
   <p:timing>
     <p:tnLst>
       <p:par>
-        <p:cTn xmlns:p14="http://schemas.microsoft.com/office/powerpoint/2010/main" id="1" dur="indefinite" restart="never" nodeType="tmRoot"/>
+        <p:cTn id="1" dur="indefinite" restart="never" nodeType="tmRoot"/>
       </p:par>
     </p:tnLst>
   </p:timing>
@@ -22230,15 +22095,27 @@
                   <a:srgbClr val="FFFFFF"/>
                 </a:solidFill>
               </a:rPr>
-              <a:t>resources/</a:t>
-            </a:r>
+              <a:t>resources/applicationContext.xml</a:t>
+            </a:r>
+          </a:p>
+          <a:p>
             <a:r>
               <a:rPr lang="en-US" altLang="zh-CN" dirty="0" smtClean="0">
                 <a:solidFill>
                   <a:srgbClr val="FFFFFF"/>
                 </a:solidFill>
               </a:rPr>
-              <a:t>applicationContext.xml</a:t>
+              <a:t>resources/db_config.properties</a:t>
+            </a:r>
+          </a:p>
+          <a:p>
+            <a:r>
+              <a:rPr lang="en-US" altLang="zh-CN" sz="2200" i="1" dirty="0" smtClean="0">
+                <a:solidFill>
+                  <a:srgbClr val="FFFFFF"/>
+                </a:solidFill>
+              </a:rPr>
+              <a:t>resources/device_config.properties</a:t>
             </a:r>
           </a:p>
           <a:p>
@@ -22248,95 +22125,27 @@
                   <a:srgbClr val="FFFFFF"/>
                 </a:solidFill>
               </a:rPr>
-              <a:t>resources/</a:t>
-            </a:r>
+              <a:t>resources/log4j.properties</a:t>
+            </a:r>
+          </a:p>
+          <a:p>
+            <a:r>
+              <a:rPr lang="en-US" altLang="zh-CN" sz="2200" i="1" dirty="0" smtClean="0">
+                <a:solidFill>
+                  <a:srgbClr val="FFFFFF"/>
+                </a:solidFill>
+              </a:rPr>
+              <a:t>resources/run_config.properties</a:t>
+            </a:r>
+          </a:p>
+          <a:p>
             <a:r>
               <a:rPr lang="en-US" altLang="zh-CN" dirty="0" smtClean="0">
                 <a:solidFill>
                   <a:srgbClr val="FFFFFF"/>
                 </a:solidFill>
               </a:rPr>
-              <a:t>db_config.properties</a:t>
-            </a:r>
-          </a:p>
-          <a:p>
-            <a:r>
-              <a:rPr lang="en-US" altLang="zh-CN" sz="2200" i="1" dirty="0" smtClean="0">
-                <a:solidFill>
-                  <a:srgbClr val="FFFFFF"/>
-                </a:solidFill>
-              </a:rPr>
-              <a:t>resources/</a:t>
-            </a:r>
-            <a:r>
-              <a:rPr lang="en-US" altLang="zh-CN" sz="2200" i="1" dirty="0" smtClean="0">
-                <a:solidFill>
-                  <a:srgbClr val="FFFFFF"/>
-                </a:solidFill>
-              </a:rPr>
-              <a:t>device_config.properties</a:t>
-            </a:r>
-          </a:p>
-          <a:p>
-            <a:r>
-              <a:rPr lang="en-US" altLang="zh-CN" dirty="0" smtClean="0">
-                <a:solidFill>
-                  <a:srgbClr val="FFFFFF"/>
-                </a:solidFill>
-              </a:rPr>
-              <a:t>resources/</a:t>
-            </a:r>
-            <a:r>
-              <a:rPr lang="en-US" altLang="zh-CN" dirty="0" smtClean="0">
-                <a:solidFill>
-                  <a:srgbClr val="FFFFFF"/>
-                </a:solidFill>
-              </a:rPr>
-              <a:t>log4j.properties</a:t>
-            </a:r>
-          </a:p>
-          <a:p>
-            <a:r>
-              <a:rPr lang="en-US" altLang="zh-CN" sz="2200" i="1" dirty="0" smtClean="0">
-                <a:solidFill>
-                  <a:srgbClr val="FFFFFF"/>
-                </a:solidFill>
-              </a:rPr>
-              <a:t>resources/</a:t>
-            </a:r>
-            <a:r>
-              <a:rPr lang="en-US" altLang="zh-CN" sz="2200" i="1" dirty="0" smtClean="0">
-                <a:solidFill>
-                  <a:srgbClr val="FFFFFF"/>
-                </a:solidFill>
-              </a:rPr>
-              <a:t>run_config.properties</a:t>
-            </a:r>
-          </a:p>
-          <a:p>
-            <a:r>
-              <a:rPr lang="en-US" altLang="zh-CN" dirty="0" smtClean="0">
-                <a:solidFill>
-                  <a:srgbClr val="FFFFFF"/>
-                </a:solidFill>
-              </a:rPr>
-              <a:t>r</a:t>
-            </a:r>
-            <a:r>
-              <a:rPr lang="en-US" altLang="zh-CN" dirty="0" smtClean="0">
-                <a:solidFill>
-                  <a:srgbClr val="FFFFFF"/>
-                </a:solidFill>
-              </a:rPr>
-              <a:t>esources</a:t>
-            </a:r>
-            <a:r>
-              <a:rPr lang="en-US" altLang="zh-CN" dirty="0" smtClean="0">
-                <a:solidFill>
-                  <a:srgbClr val="FFFFFF"/>
-                </a:solidFill>
-              </a:rPr>
-              <a:t>/report-</a:t>
+              <a:t>resources/report-</a:t>
             </a:r>
             <a:r>
               <a:rPr lang="zh-CN" altLang="en-US" dirty="0" smtClean="0">
@@ -22399,7 +22208,7 @@
   <p:timing>
     <p:tnLst>
       <p:par>
-        <p:cTn xmlns:p14="http://schemas.microsoft.com/office/powerpoint/2010/main" id="1" dur="indefinite" restart="never" nodeType="tmRoot"/>
+        <p:cTn id="1" dur="indefinite" restart="never" nodeType="tmRoot"/>
       </p:par>
     </p:tnLst>
   </p:timing>
@@ -22452,11 +22261,6 @@
               </a:rPr>
               <a:t>resources/device_config.properties</a:t>
             </a:r>
-            <a:endParaRPr lang="en-US" altLang="zh-CN" i="1" dirty="0" smtClean="0">
-              <a:solidFill>
-                <a:srgbClr val="FFFFFF"/>
-              </a:solidFill>
-            </a:endParaRPr>
           </a:p>
         </p:txBody>
       </p:sp>
@@ -22723,7 +22527,7 @@
   <p:timing>
     <p:tnLst>
       <p:par>
-        <p:cTn xmlns:p14="http://schemas.microsoft.com/office/powerpoint/2010/main" id="1" dur="indefinite" restart="never" nodeType="tmRoot"/>
+        <p:cTn id="1" dur="indefinite" restart="never" nodeType="tmRoot"/>
       </p:par>
     </p:tnLst>
   </p:timing>
@@ -22776,11 +22580,6 @@
               </a:rPr>
               <a:t>resources/run_config.properties</a:t>
             </a:r>
-            <a:endParaRPr lang="en-US" altLang="zh-CN" i="1" dirty="0" smtClean="0">
-              <a:solidFill>
-                <a:srgbClr val="FFFFFF"/>
-              </a:solidFill>
-            </a:endParaRPr>
           </a:p>
         </p:txBody>
       </p:sp>
@@ -23428,7 +23227,7 @@
   <p:timing>
     <p:tnLst>
       <p:par>
-        <p:cTn xmlns:p14="http://schemas.microsoft.com/office/powerpoint/2010/main" id="1" dur="indefinite" restart="never" nodeType="tmRoot"/>
+        <p:cTn id="1" dur="indefinite" restart="never" nodeType="tmRoot"/>
       </p:par>
     </p:tnLst>
   </p:timing>

--- a/src/test/resources/可配置移动UI自动化分享.pptx
+++ b/src/test/resources/可配置移动UI自动化分享.pptx
@@ -18374,11 +18374,7 @@
                     <a:p>
                       <a:r>
                         <a:rPr lang="zh-CN" altLang="en-US" sz="1200" dirty="0" smtClean="0"/>
-                        <a:t>测试</a:t>
-                      </a:r>
-                      <a:r>
-                        <a:rPr lang="zh-CN" altLang="en-US" sz="1200" dirty="0" smtClean="0"/>
-                        <a:t>用例易配置、易扩展</a:t>
+                        <a:t>测试用例易配置、易扩展</a:t>
                       </a:r>
                       <a:endParaRPr lang="zh-CN" altLang="en-US" sz="1200" dirty="0"/>
                     </a:p>
